--- a/08_etl/01_BI_DataWarehouse_ETL.pptx
+++ b/08_etl/01_BI_DataWarehouse_ETL.pptx
@@ -172,10 +172,25 @@
   <pc:docChgLst>
     <pc:chgData name="Erkan ŞİRİN" userId="7f10ce1d6aaf8c5d" providerId="LiveId" clId="{3E34054A-7D3B-4B8A-B83E-2E7AEDF812D9}"/>
     <pc:docChg chg="undo custSel addSld delSld modSld sldOrd">
-      <pc:chgData name="Erkan ŞİRİN" userId="7f10ce1d6aaf8c5d" providerId="LiveId" clId="{3E34054A-7D3B-4B8A-B83E-2E7AEDF812D9}" dt="2019-05-24T01:04:01.218" v="2607"/>
+      <pc:chgData name="Erkan ŞİRİN" userId="7f10ce1d6aaf8c5d" providerId="LiveId" clId="{3E34054A-7D3B-4B8A-B83E-2E7AEDF812D9}" dt="2019-05-24T06:04:51.149" v="2624" actId="20577"/>
       <pc:docMkLst>
         <pc:docMk/>
       </pc:docMkLst>
+      <pc:sldChg chg="modSp">
+        <pc:chgData name="Erkan ŞİRİN" userId="7f10ce1d6aaf8c5d" providerId="LiveId" clId="{3E34054A-7D3B-4B8A-B83E-2E7AEDF812D9}" dt="2019-05-24T06:04:51.149" v="2624" actId="20577"/>
+        <pc:sldMkLst>
+          <pc:docMk/>
+          <pc:sldMk cId="1416118015" sldId="257"/>
+        </pc:sldMkLst>
+        <pc:spChg chg="mod">
+          <ac:chgData name="Erkan ŞİRİN" userId="7f10ce1d6aaf8c5d" providerId="LiveId" clId="{3E34054A-7D3B-4B8A-B83E-2E7AEDF812D9}" dt="2019-05-24T06:04:51.149" v="2624" actId="20577"/>
+          <ac:spMkLst>
+            <pc:docMk/>
+            <pc:sldMk cId="1416118015" sldId="257"/>
+            <ac:spMk id="16" creationId="{00000000-0000-0000-0000-000000000000}"/>
+          </ac:spMkLst>
+        </pc:spChg>
+      </pc:sldChg>
       <pc:sldChg chg="modSp">
         <pc:chgData name="Erkan ŞİRİN" userId="7f10ce1d6aaf8c5d" providerId="LiveId" clId="{3E34054A-7D3B-4B8A-B83E-2E7AEDF812D9}" dt="2019-05-24T00:14:59.447" v="2325" actId="255"/>
         <pc:sldMkLst>
@@ -5429,7 +5444,7 @@
                 <a:ea typeface="Verdana" panose="020B0604030504040204" pitchFamily="34" charset="0"/>
                 <a:cs typeface="Arial" panose="020B0604020202020204" pitchFamily="34" charset="0"/>
               </a:rPr>
-              <a:t>ETL ve </a:t>
+              <a:t>BI, Data </a:t>
             </a:r>
             <a:r>
               <a:rPr lang="tr-TR" sz="4800" b="1" dirty="0" err="1">
@@ -5440,7 +5455,18 @@
                 <a:ea typeface="Verdana" panose="020B0604030504040204" pitchFamily="34" charset="0"/>
                 <a:cs typeface="Arial" panose="020B0604020202020204" pitchFamily="34" charset="0"/>
               </a:rPr>
-              <a:t>Datawarehouse</a:t>
+              <a:t>Warehouse</a:t>
+            </a:r>
+            <a:r>
+              <a:rPr lang="tr-TR" sz="4800" b="1" dirty="0">
+                <a:solidFill>
+                  <a:srgbClr val="FF1F20"/>
+                </a:solidFill>
+                <a:latin typeface="Arial" panose="020B0604020202020204" pitchFamily="34" charset="0"/>
+                <a:ea typeface="Verdana" panose="020B0604030504040204" pitchFamily="34" charset="0"/>
+                <a:cs typeface="Arial" panose="020B0604020202020204" pitchFamily="34" charset="0"/>
+              </a:rPr>
+              <a:t> ve ETL</a:t>
             </a:r>
             <a:endParaRPr lang="en-US" sz="4800" b="1" dirty="0">
               <a:solidFill>
